--- a/iCalendar.pptx
+++ b/iCalendar.pptx
@@ -213,7 +213,7 @@
           <a:p>
             <a:fld id="{061C5132-FFA3-4B02-9F09-22FCF40EFA74}" type="datetimeFigureOut">
               <a:rPr lang="en-US" altLang="zh-TW" smtClean="0"/>
-              <a:t>4/19/2016</a:t>
+              <a:t>4/20/2016</a:t>
             </a:fld>
             <a:endParaRPr lang="zh-TW"/>
           </a:p>
@@ -377,7 +377,7 @@
           </a:lstStyle>
           <a:p>
             <a:fld id="{0B6E42C9-243F-4DC5-AFF6-9D56B5FA9D63}" type="datetimeFigureOut">
-              <a:t>2016/4/19</a:t>
+              <a:t>2016/4/20</a:t>
             </a:fld>
             <a:endParaRPr lang="zh-TW"/>
           </a:p>
@@ -869,7 +869,7 @@
           <a:p>
             <a:fld id="{4BDF68E2-58F2-4D09-BE8B-E3BD06533059}" type="datetimeFigureOut">
               <a:rPr lang="en-US" dirty="0"/>
-              <a:t>4/19/2016</a:t>
+              <a:t>4/20/2016</a:t>
             </a:fld>
             <a:endParaRPr lang="en-US" dirty="0"/>
           </a:p>
@@ -1097,7 +1097,7 @@
             <a:fld id="{B0FE2824-C2A0-4931-BB32-60B24BDBB3CC}" type="datetimeFigureOut">
               <a:rPr lang="en-US" altLang="zh-TW" smtClean="0"/>
               <a:pPr/>
-              <a:t>4/19/2016</a:t>
+              <a:t>4/20/2016</a:t>
             </a:fld>
             <a:endParaRPr lang="zh-TW" altLang="en-US"/>
           </a:p>
@@ -1355,7 +1355,7 @@
             <a:fld id="{B0FE2824-C2A0-4931-BB32-60B24BDBB3CC}" type="datetimeFigureOut">
               <a:rPr lang="en-US" altLang="zh-TW" smtClean="0"/>
               <a:pPr/>
-              <a:t>4/19/2016</a:t>
+              <a:t>4/20/2016</a:t>
             </a:fld>
             <a:endParaRPr lang="zh-TW" altLang="en-US"/>
           </a:p>
@@ -1531,7 +1531,7 @@
             <a:fld id="{B0FE2824-C2A0-4931-BB32-60B24BDBB3CC}" type="datetimeFigureOut">
               <a:rPr lang="en-US" altLang="zh-TW" smtClean="0"/>
               <a:pPr/>
-              <a:t>4/19/2016</a:t>
+              <a:t>4/20/2016</a:t>
             </a:fld>
             <a:endParaRPr lang="zh-TW" altLang="en-US"/>
           </a:p>
@@ -1875,7 +1875,7 @@
           <a:p>
             <a:fld id="{20EBB0C4-6273-4C6E-B9BD-2EDC30F1CD52}" type="datetimeFigureOut">
               <a:rPr lang="en-US" dirty="0"/>
-              <a:t>4/19/2016</a:t>
+              <a:t>4/20/2016</a:t>
             </a:fld>
             <a:endParaRPr lang="en-US" dirty="0"/>
           </a:p>
@@ -2170,7 +2170,7 @@
             <a:fld id="{B0FE2824-C2A0-4931-BB32-60B24BDBB3CC}" type="datetimeFigureOut">
               <a:rPr lang="en-US" altLang="zh-TW" smtClean="0"/>
               <a:pPr/>
-              <a:t>4/19/2016</a:t>
+              <a:t>4/20/2016</a:t>
             </a:fld>
             <a:endParaRPr lang="zh-TW" altLang="en-US"/>
           </a:p>
@@ -2551,7 +2551,7 @@
             <a:fld id="{B0FE2824-C2A0-4931-BB32-60B24BDBB3CC}" type="datetimeFigureOut">
               <a:rPr lang="en-US" altLang="zh-TW" smtClean="0"/>
               <a:pPr/>
-              <a:t>4/19/2016</a:t>
+              <a:t>4/20/2016</a:t>
             </a:fld>
             <a:endParaRPr lang="zh-TW" altLang="en-US"/>
           </a:p>
@@ -2670,7 +2670,7 @@
           <a:p>
             <a:fld id="{B0FE2824-C2A0-4931-BB32-60B24BDBB3CC}" type="datetimeFigureOut">
               <a:rPr lang="zh-TW" altLang="en-US" smtClean="0"/>
-              <a:t>2016/4/19</a:t>
+              <a:t>2016/4/20</a:t>
             </a:fld>
             <a:endParaRPr lang="zh-TW"/>
           </a:p>
@@ -2860,7 +2860,7 @@
           <a:p>
             <a:fld id="{B0FE2824-C2A0-4931-BB32-60B24BDBB3CC}" type="datetimeFigureOut">
               <a:rPr lang="zh-TW" altLang="en-US" smtClean="0"/>
-              <a:t>2016/4/19</a:t>
+              <a:t>2016/4/20</a:t>
             </a:fld>
             <a:endParaRPr lang="zh-TW"/>
           </a:p>
@@ -3233,7 +3233,7 @@
           <a:p>
             <a:fld id="{B0FE2824-C2A0-4931-BB32-60B24BDBB3CC}" type="datetimeFigureOut">
               <a:rPr lang="zh-TW" altLang="en-US" smtClean="0"/>
-              <a:t>2016/4/19</a:t>
+              <a:t>2016/4/20</a:t>
             </a:fld>
             <a:endParaRPr lang="zh-TW"/>
           </a:p>
@@ -3634,7 +3634,7 @@
           <a:p>
             <a:fld id="{B0FE2824-C2A0-4931-BB32-60B24BDBB3CC}" type="datetimeFigureOut">
               <a:rPr lang="zh-TW" altLang="en-US" smtClean="0"/>
-              <a:t>2016/4/19</a:t>
+              <a:t>2016/4/20</a:t>
             </a:fld>
             <a:endParaRPr lang="zh-TW"/>
           </a:p>
@@ -3941,7 +3941,7 @@
             <a:fld id="{B0FE2824-C2A0-4931-BB32-60B24BDBB3CC}" type="datetimeFigureOut">
               <a:rPr lang="en-US" altLang="zh-TW" smtClean="0"/>
               <a:pPr/>
-              <a:t>4/19/2016</a:t>
+              <a:t>4/20/2016</a:t>
             </a:fld>
             <a:endParaRPr lang="zh-TW" altLang="en-US"/>
           </a:p>
@@ -4815,11 +4815,19 @@
             </a:r>
             <a:r>
               <a:rPr lang="zh-TW" altLang="en-US" sz="2800" dirty="0" smtClean="0"/>
-              <a:t>轉換：</a:t>
+              <a:t>轉換</a:t>
+            </a:r>
+            <a:r>
+              <a:rPr lang="zh-TW" altLang="en-US" sz="2800" dirty="0" smtClean="0"/>
+              <a:t>：</a:t>
+            </a:r>
+            <a:r>
+              <a:rPr lang="en-US" altLang="zh-TW" sz="2800" dirty="0" err="1"/>
+              <a:t>J</a:t>
             </a:r>
             <a:r>
               <a:rPr lang="en-US" altLang="zh-TW" sz="2800" dirty="0" err="1" smtClean="0"/>
-              <a:t>javascript</a:t>
+              <a:t>avascript</a:t>
             </a:r>
             <a:endParaRPr lang="en-US" altLang="zh-TW" sz="2800" dirty="0" smtClean="0"/>
           </a:p>
@@ -4967,7 +4975,7 @@
           <a:lstStyle/>
           <a:p>
             <a:r>
-              <a:rPr lang="en-US" dirty="0" smtClean="0">
+              <a:rPr lang="en-US" sz="5400" b="1" dirty="0" smtClean="0">
                 <a:solidFill>
                   <a:schemeClr val="bg2">
                     <a:lumMod val="10000"/>
@@ -4976,7 +4984,7 @@
               </a:rPr>
               <a:t>Demo Time</a:t>
             </a:r>
-            <a:endParaRPr lang="en-US" dirty="0">
+            <a:endParaRPr lang="en-US" sz="5400" b="1" dirty="0">
               <a:solidFill>
                 <a:schemeClr val="bg2">
                   <a:lumMod val="10000"/>
@@ -5438,10 +5446,10 @@
           <a:p>
             <a:pPr algn="ctr"/>
             <a:r>
-              <a:rPr lang="en-US" altLang="zh-TW" dirty="0" err="1" smtClean="0"/>
+              <a:rPr lang="en-US" altLang="zh-TW" b="1" dirty="0" err="1" smtClean="0"/>
               <a:t>WireFrame</a:t>
             </a:r>
-            <a:endParaRPr lang="en-US" dirty="0"/>
+            <a:endParaRPr lang="en-US" b="1" dirty="0"/>
           </a:p>
         </p:txBody>
       </p:sp>
@@ -5466,7 +5474,7 @@
         </p:blipFill>
         <p:spPr>
           <a:xfrm>
-            <a:off x="911424" y="1864930"/>
+            <a:off x="1097280" y="1864930"/>
             <a:ext cx="4485467" cy="3939811"/>
           </a:xfrm>
           <a:prstGeom prst="rect">
@@ -5495,7 +5503,7 @@
         </p:blipFill>
         <p:spPr>
           <a:xfrm>
-            <a:off x="5807968" y="1864930"/>
+            <a:off x="6212098" y="1880155"/>
             <a:ext cx="4701491" cy="3939811"/>
           </a:xfrm>
           <a:prstGeom prst="rect">
@@ -5511,8 +5519,8 @@
         </p:nvSpPr>
         <p:spPr>
           <a:xfrm>
-            <a:off x="2063552" y="5804741"/>
-            <a:ext cx="1897058" cy="584775"/>
+            <a:off x="2391484" y="5840694"/>
+            <a:ext cx="1906676" cy="584775"/>
           </a:xfrm>
           <a:prstGeom prst="rect">
             <a:avLst/>
@@ -5527,7 +5535,7 @@
           <a:p>
             <a:r>
               <a:rPr lang="en-US" altLang="zh-TW" sz="3200" dirty="0" smtClean="0"/>
-              <a:t>Index/info</a:t>
+              <a:t>Index/Info</a:t>
             </a:r>
             <a:endParaRPr lang="zh-TW" altLang="en-US" sz="3200" dirty="0"/>
           </a:p>
@@ -5541,7 +5549,7 @@
         </p:nvSpPr>
         <p:spPr>
           <a:xfrm>
-            <a:off x="7320136" y="5819966"/>
+            <a:off x="7854957" y="5840694"/>
             <a:ext cx="1415772" cy="584775"/>
           </a:xfrm>
           <a:prstGeom prst="rect">
@@ -5647,7 +5655,7 @@
         <p:spPr>
           <a:xfrm>
             <a:off x="2350476" y="5819966"/>
-            <a:ext cx="1874424" cy="584775"/>
+            <a:ext cx="1826141" cy="584775"/>
           </a:xfrm>
           <a:prstGeom prst="rect">
             <a:avLst/>
@@ -5661,10 +5669,16 @@
           <a:lstStyle/>
           <a:p>
             <a:r>
-              <a:rPr lang="en-US" altLang="zh-TW" sz="3200" dirty="0" smtClean="0"/>
-              <a:t>Add Event</a:t>
-            </a:r>
-            <a:endParaRPr lang="zh-TW" altLang="en-US" sz="3200" dirty="0"/>
+              <a:rPr lang="zh-TW" altLang="en-US" sz="3200" dirty="0" smtClean="0">
+                <a:latin typeface="微軟正黑體" panose="020B0604030504040204" pitchFamily="34" charset="-120"/>
+                <a:ea typeface="微軟正黑體" panose="020B0604030504040204" pitchFamily="34" charset="-120"/>
+              </a:rPr>
+              <a:t>新增事件</a:t>
+            </a:r>
+            <a:endParaRPr lang="zh-TW" altLang="en-US" sz="3200" dirty="0">
+              <a:latin typeface="微軟正黑體" panose="020B0604030504040204" pitchFamily="34" charset="-120"/>
+              <a:ea typeface="微軟正黑體" panose="020B0604030504040204" pitchFamily="34" charset="-120"/>
+            </a:endParaRPr>
           </a:p>
         </p:txBody>
       </p:sp>
@@ -5677,7 +5691,7 @@
         <p:spPr>
           <a:xfrm>
             <a:off x="7320136" y="5819966"/>
-            <a:ext cx="2472728" cy="584775"/>
+            <a:ext cx="1826141" cy="584775"/>
           </a:xfrm>
           <a:prstGeom prst="rect">
             <a:avLst/>
@@ -5691,11 +5705,11 @@
           <a:lstStyle/>
           <a:p>
             <a:r>
-              <a:rPr lang="en-US" altLang="zh-TW" sz="3200" dirty="0" smtClean="0">
+              <a:rPr lang="zh-TW" altLang="en-US" sz="3200" dirty="0" smtClean="0">
                 <a:latin typeface="微軟正黑體" panose="020B0604030504040204" pitchFamily="34" charset="-120"/>
                 <a:ea typeface="微軟正黑體" panose="020B0604030504040204" pitchFamily="34" charset="-120"/>
               </a:rPr>
-              <a:t>Event Detail</a:t>
+              <a:t>事件內容</a:t>
             </a:r>
             <a:endParaRPr lang="zh-TW" altLang="en-US" sz="3200" dirty="0">
               <a:latin typeface="微軟正黑體" panose="020B0604030504040204" pitchFamily="34" charset="-120"/>
@@ -5706,7 +5720,7 @@
       </p:sp>
       <p:pic>
         <p:nvPicPr>
-          <p:cNvPr id="4" name="圖片 3"/>
+          <p:cNvPr id="3" name="圖片 2"/>
           <p:cNvPicPr>
             <a:picLocks noChangeAspect="1"/>
           </p:cNvPicPr>
@@ -5720,13 +5734,42 @@
               </a:ext>
             </a:extLst>
           </a:blip>
+          <a:srcRect l="-1206" t="399" r="1206" b="38051"/>
+          <a:stretch/>
+        </p:blipFill>
+        <p:spPr>
+          <a:xfrm>
+            <a:off x="983432" y="1850358"/>
+            <a:ext cx="4996240" cy="3969608"/>
+          </a:xfrm>
+          <a:prstGeom prst="rect">
+            <a:avLst/>
+          </a:prstGeom>
+        </p:spPr>
+      </p:pic>
+      <p:pic>
+        <p:nvPicPr>
+          <p:cNvPr id="8" name="圖片 7"/>
+          <p:cNvPicPr>
+            <a:picLocks noChangeAspect="1"/>
+          </p:cNvPicPr>
+          <p:nvPr/>
+        </p:nvPicPr>
+        <p:blipFill rotWithShape="1">
+          <a:blip r:embed="rId3" cstate="print">
+            <a:extLst>
+              <a:ext uri="{28A0092B-C50C-407E-A947-70E740481C1C}">
+                <a14:useLocalDpi xmlns:a14="http://schemas.microsoft.com/office/drawing/2010/main" val="0"/>
+              </a:ext>
+            </a:extLst>
+          </a:blip>
           <a:srcRect b="38450"/>
           <a:stretch/>
         </p:blipFill>
         <p:spPr>
           <a:xfrm>
-            <a:off x="911424" y="2028767"/>
-            <a:ext cx="4752528" cy="3775974"/>
+            <a:off x="6144232" y="1850358"/>
+            <a:ext cx="4824536" cy="3969608"/>
           </a:xfrm>
           <a:prstGeom prst="rect">
             <a:avLst/>
@@ -6024,7 +6067,7 @@
         <p:spPr>
           <a:xfrm>
             <a:off x="2063552" y="5770441"/>
-            <a:ext cx="1897058" cy="584775"/>
+            <a:ext cx="1906676" cy="584775"/>
           </a:xfrm>
           <a:prstGeom prst="rect">
             <a:avLst/>
@@ -6039,7 +6082,7 @@
           <a:p>
             <a:r>
               <a:rPr lang="en-US" altLang="zh-TW" sz="3200" dirty="0" smtClean="0"/>
-              <a:t>Index/info</a:t>
+              <a:t>Index/Info</a:t>
             </a:r>
             <a:endParaRPr lang="zh-TW" altLang="en-US" sz="3200" dirty="0"/>
           </a:p>
@@ -6099,8 +6142,38 @@
         </p:blipFill>
         <p:spPr>
           <a:xfrm>
-            <a:off x="6120165" y="1844824"/>
+            <a:off x="6384032" y="1844823"/>
             <a:ext cx="5434351" cy="3816424"/>
+          </a:xfrm>
+          <a:prstGeom prst="rect">
+            <a:avLst/>
+          </a:prstGeom>
+        </p:spPr>
+      </p:pic>
+      <p:pic>
+        <p:nvPicPr>
+          <p:cNvPr id="5" name="圖片 4"/>
+          <p:cNvPicPr>
+            <a:picLocks noChangeAspect="1"/>
+          </p:cNvPicPr>
+          <p:nvPr/>
+        </p:nvPicPr>
+        <p:blipFill>
+          <a:blip r:embed="rId3">
+            <a:extLst>
+              <a:ext uri="{28A0092B-C50C-407E-A947-70E740481C1C}">
+                <a14:useLocalDpi xmlns:a14="http://schemas.microsoft.com/office/drawing/2010/main" val="0"/>
+              </a:ext>
+            </a:extLst>
+          </a:blip>
+          <a:stretch>
+            <a:fillRect/>
+          </a:stretch>
+        </p:blipFill>
+        <p:spPr>
+          <a:xfrm>
+            <a:off x="441919" y="1844824"/>
+            <a:ext cx="5666468" cy="3816424"/>
           </a:xfrm>
           <a:prstGeom prst="rect">
             <a:avLst/>
@@ -6202,7 +6275,7 @@
         <p:spPr>
           <a:xfrm>
             <a:off x="2063552" y="5804741"/>
-            <a:ext cx="1874424" cy="584775"/>
+            <a:ext cx="1826141" cy="584775"/>
           </a:xfrm>
           <a:prstGeom prst="rect">
             <a:avLst/>
@@ -6216,10 +6289,16 @@
           <a:lstStyle/>
           <a:p>
             <a:r>
-              <a:rPr lang="en-US" altLang="zh-TW" sz="3200" dirty="0" smtClean="0"/>
-              <a:t>Add Event</a:t>
-            </a:r>
-            <a:endParaRPr lang="zh-TW" altLang="en-US" sz="3200" dirty="0"/>
+              <a:rPr lang="zh-TW" altLang="en-US" sz="3200" dirty="0" smtClean="0">
+                <a:latin typeface="微軟正黑體" panose="020B0604030504040204" pitchFamily="34" charset="-120"/>
+                <a:ea typeface="微軟正黑體" panose="020B0604030504040204" pitchFamily="34" charset="-120"/>
+              </a:rPr>
+              <a:t>新增事件</a:t>
+            </a:r>
+            <a:endParaRPr lang="zh-TW" altLang="en-US" sz="3200" dirty="0">
+              <a:latin typeface="微軟正黑體" panose="020B0604030504040204" pitchFamily="34" charset="-120"/>
+              <a:ea typeface="微軟正黑體" panose="020B0604030504040204" pitchFamily="34" charset="-120"/>
+            </a:endParaRPr>
           </a:p>
         </p:txBody>
       </p:sp>
@@ -6232,7 +6311,7 @@
         <p:spPr>
           <a:xfrm>
             <a:off x="7320136" y="5819966"/>
-            <a:ext cx="2472728" cy="584775"/>
+            <a:ext cx="1826141" cy="584775"/>
           </a:xfrm>
           <a:prstGeom prst="rect">
             <a:avLst/>
@@ -6246,11 +6325,11 @@
           <a:lstStyle/>
           <a:p>
             <a:r>
-              <a:rPr lang="en-US" altLang="zh-TW" sz="3200" dirty="0" smtClean="0">
+              <a:rPr lang="zh-TW" altLang="en-US" sz="3200" dirty="0" smtClean="0">
                 <a:latin typeface="微軟正黑體" panose="020B0604030504040204" pitchFamily="34" charset="-120"/>
                 <a:ea typeface="微軟正黑體" panose="020B0604030504040204" pitchFamily="34" charset="-120"/>
               </a:rPr>
-              <a:t>Event Detail</a:t>
+              <a:t>事件內容</a:t>
             </a:r>
             <a:endParaRPr lang="zh-TW" altLang="en-US" sz="3200" dirty="0">
               <a:latin typeface="微軟正黑體" panose="020B0604030504040204" pitchFamily="34" charset="-120"/>

--- a/iCalendar.pptx
+++ b/iCalendar.pptx
@@ -4765,7 +4765,12 @@
             <p:ph type="title"/>
           </p:nvPr>
         </p:nvSpPr>
-        <p:spPr/>
+        <p:spPr>
+          <a:xfrm>
+            <a:off x="479376" y="748415"/>
+            <a:ext cx="3200400" cy="819511"/>
+          </a:xfrm>
+        </p:spPr>
         <p:txBody>
           <a:bodyPr/>
           <a:lstStyle/>
@@ -4806,30 +4811,35 @@
               <a:buChar char="n"/>
             </a:pPr>
             <a:r>
-              <a:rPr lang="zh-TW" altLang="en-US" sz="2800" dirty="0" smtClean="0"/>
-              <a:t>頁面、底</a:t>
-            </a:r>
-            <a:r>
-              <a:rPr lang="zh-TW" altLang="en-US" sz="2800" dirty="0"/>
-              <a:t>色</a:t>
-            </a:r>
-            <a:r>
-              <a:rPr lang="zh-TW" altLang="en-US" sz="2800" dirty="0" smtClean="0"/>
-              <a:t>轉換</a:t>
-            </a:r>
-            <a:r>
-              <a:rPr lang="zh-TW" altLang="en-US" sz="2800" dirty="0" smtClean="0"/>
-              <a:t>：</a:t>
-            </a:r>
-            <a:r>
-              <a:rPr lang="en-US" altLang="zh-TW" sz="2800" dirty="0" err="1"/>
-              <a:t>J</a:t>
-            </a:r>
-            <a:r>
-              <a:rPr lang="en-US" altLang="zh-TW" sz="2800" dirty="0" err="1" smtClean="0"/>
-              <a:t>avascript</a:t>
-            </a:r>
-            <a:endParaRPr lang="en-US" altLang="zh-TW" sz="2800" dirty="0" smtClean="0"/>
+              <a:rPr lang="zh-TW" altLang="en-US" sz="2800" dirty="0">
+                <a:ea typeface="微軟正黑體" panose="020B0604030504040204" pitchFamily="34" charset="-120"/>
+              </a:rPr>
+              <a:t>基本</a:t>
+            </a:r>
+            <a:r>
+              <a:rPr lang="zh-TW" altLang="en-US" sz="2800" dirty="0" smtClean="0">
+                <a:ea typeface="微軟正黑體" panose="020B0604030504040204" pitchFamily="34" charset="-120"/>
+              </a:rPr>
+              <a:t>語言：</a:t>
+            </a:r>
+            <a:r>
+              <a:rPr lang="en-US" altLang="zh-TW" sz="2800" dirty="0" smtClean="0">
+                <a:ea typeface="微軟正黑體" panose="020B0604030504040204" pitchFamily="34" charset="-120"/>
+              </a:rPr>
+              <a:t>Html</a:t>
+            </a:r>
+            <a:r>
+              <a:rPr lang="zh-TW" altLang="en-US" sz="2800" dirty="0" smtClean="0">
+                <a:ea typeface="微軟正黑體" panose="020B0604030504040204" pitchFamily="34" charset="-120"/>
+              </a:rPr>
+              <a:t>、</a:t>
+            </a:r>
+            <a:r>
+              <a:rPr lang="en-US" altLang="zh-TW" sz="2800" dirty="0" smtClean="0">
+                <a:ea typeface="微軟正黑體" panose="020B0604030504040204" pitchFamily="34" charset="-120"/>
+              </a:rPr>
+              <a:t>CSS</a:t>
+            </a:r>
           </a:p>
           <a:p>
             <a:pPr marL="363538" indent="-363538">
@@ -4837,14 +4847,44 @@
               <a:buChar char="n"/>
             </a:pPr>
             <a:r>
-              <a:rPr lang="zh-TW" altLang="en-US" sz="2800" dirty="0" smtClean="0"/>
-              <a:t>行事曆：</a:t>
-            </a:r>
-            <a:r>
-              <a:rPr lang="en-US" altLang="zh-TW" sz="2800" dirty="0" smtClean="0"/>
-              <a:t>Bootstrap</a:t>
-            </a:r>
-            <a:endParaRPr lang="en-US" altLang="zh-TW" sz="2800" dirty="0"/>
+              <a:rPr lang="zh-TW" altLang="en-US" sz="2800" dirty="0" smtClean="0">
+                <a:ea typeface="微軟正黑體" panose="020B0604030504040204" pitchFamily="34" charset="-120"/>
+              </a:rPr>
+              <a:t>頁</a:t>
+            </a:r>
+            <a:r>
+              <a:rPr lang="zh-TW" altLang="en-US" sz="2800" dirty="0" smtClean="0">
+                <a:ea typeface="微軟正黑體" panose="020B0604030504040204" pitchFamily="34" charset="-120"/>
+              </a:rPr>
+              <a:t>面、底</a:t>
+            </a:r>
+            <a:r>
+              <a:rPr lang="zh-TW" altLang="en-US" sz="2800" dirty="0">
+                <a:ea typeface="微軟正黑體" panose="020B0604030504040204" pitchFamily="34" charset="-120"/>
+              </a:rPr>
+              <a:t>色</a:t>
+            </a:r>
+            <a:r>
+              <a:rPr lang="zh-TW" altLang="en-US" sz="2800" dirty="0" smtClean="0">
+                <a:ea typeface="微軟正黑體" panose="020B0604030504040204" pitchFamily="34" charset="-120"/>
+              </a:rPr>
+              <a:t>轉換：</a:t>
+            </a:r>
+            <a:r>
+              <a:rPr lang="en-US" altLang="zh-TW" sz="2800" dirty="0" err="1">
+                <a:ea typeface="微軟正黑體" panose="020B0604030504040204" pitchFamily="34" charset="-120"/>
+              </a:rPr>
+              <a:t>J</a:t>
+            </a:r>
+            <a:r>
+              <a:rPr lang="en-US" altLang="zh-TW" sz="2800" dirty="0" err="1" smtClean="0">
+                <a:ea typeface="微軟正黑體" panose="020B0604030504040204" pitchFamily="34" charset="-120"/>
+              </a:rPr>
+              <a:t>avascript</a:t>
+            </a:r>
+            <a:endParaRPr lang="en-US" altLang="zh-TW" sz="2800" dirty="0" smtClean="0">
+              <a:ea typeface="微軟正黑體" panose="020B0604030504040204" pitchFamily="34" charset="-120"/>
+            </a:endParaRPr>
           </a:p>
           <a:p>
             <a:pPr marL="363538" indent="-363538">
@@ -4852,29 +4892,62 @@
               <a:buChar char="n"/>
             </a:pPr>
             <a:r>
-              <a:rPr lang="zh-TW" altLang="en-US" sz="2800" dirty="0" smtClean="0"/>
-              <a:t>版本控管：</a:t>
-            </a:r>
-            <a:r>
-              <a:rPr lang="en-US" altLang="zh-TW" sz="2800" dirty="0" err="1" smtClean="0"/>
-              <a:t>Git</a:t>
-            </a:r>
-            <a:r>
-              <a:rPr lang="zh-TW" altLang="en-US" sz="2800" dirty="0" smtClean="0"/>
-              <a:t>、</a:t>
-            </a:r>
-            <a:r>
-              <a:rPr lang="en-US" altLang="zh-TW" sz="2800" dirty="0" err="1" smtClean="0"/>
-              <a:t>SourceTree</a:t>
-            </a:r>
-            <a:endParaRPr lang="en-US" altLang="zh-TW" sz="2800" dirty="0" smtClean="0"/>
+              <a:rPr lang="zh-TW" altLang="en-US" sz="2800" dirty="0" smtClean="0">
+                <a:ea typeface="微軟正黑體" panose="020B0604030504040204" pitchFamily="34" charset="-120"/>
+              </a:rPr>
+              <a:t>行事曆框架：</a:t>
+            </a:r>
+            <a:r>
+              <a:rPr lang="en-US" altLang="zh-TW" sz="2800" dirty="0" smtClean="0">
+                <a:ea typeface="微軟正黑體" panose="020B0604030504040204" pitchFamily="34" charset="-120"/>
+              </a:rPr>
+              <a:t>Bootstrap</a:t>
+            </a:r>
+            <a:endParaRPr lang="en-US" altLang="zh-TW" sz="2800" dirty="0">
+              <a:ea typeface="微軟正黑體" panose="020B0604030504040204" pitchFamily="34" charset="-120"/>
+            </a:endParaRPr>
           </a:p>
           <a:p>
             <a:pPr marL="363538" indent="-363538">
               <a:buFont typeface="Wingdings" panose="05000000000000000000" pitchFamily="2" charset="2"/>
               <a:buChar char="n"/>
             </a:pPr>
-            <a:endParaRPr lang="en-US" altLang="zh-TW" sz="2800" dirty="0" smtClean="0"/>
+            <a:r>
+              <a:rPr lang="zh-TW" altLang="en-US" sz="2800" dirty="0" smtClean="0">
+                <a:ea typeface="微軟正黑體" panose="020B0604030504040204" pitchFamily="34" charset="-120"/>
+              </a:rPr>
+              <a:t>版本控管：</a:t>
+            </a:r>
+            <a:r>
+              <a:rPr lang="en-US" altLang="zh-TW" sz="2800" dirty="0" err="1" smtClean="0">
+                <a:ea typeface="微軟正黑體" panose="020B0604030504040204" pitchFamily="34" charset="-120"/>
+              </a:rPr>
+              <a:t>Git</a:t>
+            </a:r>
+            <a:r>
+              <a:rPr lang="zh-TW" altLang="en-US" sz="2800" dirty="0" smtClean="0">
+                <a:ea typeface="微軟正黑體" panose="020B0604030504040204" pitchFamily="34" charset="-120"/>
+              </a:rPr>
+              <a:t>、</a:t>
+            </a:r>
+            <a:r>
+              <a:rPr lang="en-US" altLang="zh-TW" sz="2800" dirty="0" err="1" smtClean="0">
+                <a:ea typeface="微軟正黑體" panose="020B0604030504040204" pitchFamily="34" charset="-120"/>
+              </a:rPr>
+              <a:t>SourceTree</a:t>
+            </a:r>
+            <a:endParaRPr lang="en-US" altLang="zh-TW" sz="2800" dirty="0" smtClean="0">
+              <a:ea typeface="微軟正黑體" panose="020B0604030504040204" pitchFamily="34" charset="-120"/>
+            </a:endParaRPr>
+          </a:p>
+          <a:p>
+            <a:pPr marL="363538" indent="-363538">
+              <a:buFont typeface="Wingdings" panose="05000000000000000000" pitchFamily="2" charset="2"/>
+              <a:buChar char="n"/>
+            </a:pPr>
+            <a:endParaRPr lang="en-US" altLang="zh-TW" sz="2800" dirty="0" smtClean="0">
+              <a:ea typeface="微軟正黑體" panose="020B0604030504040204" pitchFamily="34" charset="-120"/>
+            </a:endParaRPr>
           </a:p>
         </p:txBody>
       </p:sp>
@@ -4977,18 +5050,14 @@
             <a:r>
               <a:rPr lang="en-US" sz="5400" b="1" dirty="0" smtClean="0">
                 <a:solidFill>
-                  <a:schemeClr val="bg2">
-                    <a:lumMod val="10000"/>
-                  </a:schemeClr>
+                  <a:schemeClr val="bg1"/>
                 </a:solidFill>
               </a:rPr>
               <a:t>Demo Time</a:t>
             </a:r>
             <a:endParaRPr lang="en-US" sz="5400" b="1" dirty="0">
               <a:solidFill>
-                <a:schemeClr val="bg2">
-                  <a:lumMod val="10000"/>
-                </a:schemeClr>
+                <a:schemeClr val="bg1"/>
               </a:solidFill>
             </a:endParaRPr>
           </a:p>
@@ -5534,10 +5603,22 @@
           <a:lstStyle/>
           <a:p>
             <a:r>
-              <a:rPr lang="en-US" altLang="zh-TW" sz="3200" dirty="0" smtClean="0"/>
+              <a:rPr lang="en-US" altLang="zh-TW" sz="3200" dirty="0" smtClean="0">
+                <a:solidFill>
+                  <a:schemeClr val="bg2">
+                    <a:lumMod val="50000"/>
+                  </a:schemeClr>
+                </a:solidFill>
+              </a:rPr>
               <a:t>Index/Info</a:t>
             </a:r>
-            <a:endParaRPr lang="zh-TW" altLang="en-US" sz="3200" dirty="0"/>
+            <a:endParaRPr lang="zh-TW" altLang="en-US" sz="3200" dirty="0">
+              <a:solidFill>
+                <a:schemeClr val="bg2">
+                  <a:lumMod val="50000"/>
+                </a:schemeClr>
+              </a:solidFill>
+            </a:endParaRPr>
           </a:p>
         </p:txBody>
       </p:sp>
@@ -5565,6 +5646,11 @@
           <a:p>
             <a:r>
               <a:rPr lang="zh-TW" altLang="en-US" sz="3200" dirty="0">
+                <a:solidFill>
+                  <a:schemeClr val="bg2">
+                    <a:lumMod val="50000"/>
+                  </a:schemeClr>
+                </a:solidFill>
                 <a:latin typeface="微軟正黑體" panose="020B0604030504040204" pitchFamily="34" charset="-120"/>
                 <a:ea typeface="微軟正黑體" panose="020B0604030504040204" pitchFamily="34" charset="-120"/>
               </a:rPr>
@@ -5670,12 +5756,22 @@
           <a:p>
             <a:r>
               <a:rPr lang="zh-TW" altLang="en-US" sz="3200" dirty="0" smtClean="0">
+                <a:solidFill>
+                  <a:schemeClr val="bg2">
+                    <a:lumMod val="50000"/>
+                  </a:schemeClr>
+                </a:solidFill>
                 <a:latin typeface="微軟正黑體" panose="020B0604030504040204" pitchFamily="34" charset="-120"/>
                 <a:ea typeface="微軟正黑體" panose="020B0604030504040204" pitchFamily="34" charset="-120"/>
               </a:rPr>
               <a:t>新增事件</a:t>
             </a:r>
             <a:endParaRPr lang="zh-TW" altLang="en-US" sz="3200" dirty="0">
+              <a:solidFill>
+                <a:schemeClr val="bg2">
+                  <a:lumMod val="50000"/>
+                </a:schemeClr>
+              </a:solidFill>
               <a:latin typeface="微軟正黑體" panose="020B0604030504040204" pitchFamily="34" charset="-120"/>
               <a:ea typeface="微軟正黑體" panose="020B0604030504040204" pitchFamily="34" charset="-120"/>
             </a:endParaRPr>
@@ -5706,12 +5802,22 @@
           <a:p>
             <a:r>
               <a:rPr lang="zh-TW" altLang="en-US" sz="3200" dirty="0" smtClean="0">
+                <a:solidFill>
+                  <a:schemeClr val="bg2">
+                    <a:lumMod val="50000"/>
+                  </a:schemeClr>
+                </a:solidFill>
                 <a:latin typeface="微軟正黑體" panose="020B0604030504040204" pitchFamily="34" charset="-120"/>
                 <a:ea typeface="微軟正黑體" panose="020B0604030504040204" pitchFamily="34" charset="-120"/>
               </a:rPr>
               <a:t>事件內容</a:t>
             </a:r>
             <a:endParaRPr lang="zh-TW" altLang="en-US" sz="3200" dirty="0">
+              <a:solidFill>
+                <a:schemeClr val="bg2">
+                  <a:lumMod val="50000"/>
+                </a:schemeClr>
+              </a:solidFill>
               <a:latin typeface="微軟正黑體" panose="020B0604030504040204" pitchFamily="34" charset="-120"/>
               <a:ea typeface="微軟正黑體" panose="020B0604030504040204" pitchFamily="34" charset="-120"/>
             </a:endParaRPr>
@@ -5902,12 +6008,22 @@
           <a:p>
             <a:r>
               <a:rPr lang="zh-TW" altLang="en-US" sz="3200" dirty="0" smtClean="0">
+                <a:solidFill>
+                  <a:schemeClr val="bg2">
+                    <a:lumMod val="50000"/>
+                  </a:schemeClr>
+                </a:solidFill>
                 <a:latin typeface="微軟正黑體" panose="020B0604030504040204" pitchFamily="34" charset="-120"/>
                 <a:ea typeface="微軟正黑體" panose="020B0604030504040204" pitchFamily="34" charset="-120"/>
               </a:rPr>
               <a:t>尋找活動</a:t>
             </a:r>
             <a:endParaRPr lang="zh-TW" altLang="en-US" sz="3200" dirty="0">
+              <a:solidFill>
+                <a:schemeClr val="bg2">
+                  <a:lumMod val="50000"/>
+                </a:schemeClr>
+              </a:solidFill>
               <a:latin typeface="微軟正黑體" panose="020B0604030504040204" pitchFamily="34" charset="-120"/>
               <a:ea typeface="微軟正黑體" panose="020B0604030504040204" pitchFamily="34" charset="-120"/>
             </a:endParaRPr>
@@ -5967,12 +6083,22 @@
           <a:p>
             <a:r>
               <a:rPr lang="zh-TW" altLang="en-US" sz="3200" dirty="0" smtClean="0">
+                <a:solidFill>
+                  <a:schemeClr val="bg2">
+                    <a:lumMod val="50000"/>
+                  </a:schemeClr>
+                </a:solidFill>
                 <a:latin typeface="微軟正黑體" panose="020B0604030504040204" pitchFamily="34" charset="-120"/>
                 <a:ea typeface="微軟正黑體" panose="020B0604030504040204" pitchFamily="34" charset="-120"/>
               </a:rPr>
               <a:t>設定</a:t>
             </a:r>
             <a:endParaRPr lang="zh-TW" altLang="en-US" sz="3200" dirty="0">
+              <a:solidFill>
+                <a:schemeClr val="bg2">
+                  <a:lumMod val="50000"/>
+                </a:schemeClr>
+              </a:solidFill>
               <a:latin typeface="微軟正黑體" panose="020B0604030504040204" pitchFamily="34" charset="-120"/>
               <a:ea typeface="微軟正黑體" panose="020B0604030504040204" pitchFamily="34" charset="-120"/>
             </a:endParaRPr>
@@ -6081,10 +6207,22 @@
           <a:lstStyle/>
           <a:p>
             <a:r>
-              <a:rPr lang="en-US" altLang="zh-TW" sz="3200" dirty="0" smtClean="0"/>
+              <a:rPr lang="en-US" altLang="zh-TW" sz="3200" dirty="0" smtClean="0">
+                <a:solidFill>
+                  <a:schemeClr val="bg2">
+                    <a:lumMod val="50000"/>
+                  </a:schemeClr>
+                </a:solidFill>
+              </a:rPr>
               <a:t>Index/Info</a:t>
             </a:r>
-            <a:endParaRPr lang="zh-TW" altLang="en-US" sz="3200" dirty="0"/>
+            <a:endParaRPr lang="zh-TW" altLang="en-US" sz="3200" dirty="0">
+              <a:solidFill>
+                <a:schemeClr val="bg2">
+                  <a:lumMod val="50000"/>
+                </a:schemeClr>
+              </a:solidFill>
+            </a:endParaRPr>
           </a:p>
         </p:txBody>
       </p:sp>
@@ -6112,6 +6250,11 @@
           <a:p>
             <a:r>
               <a:rPr lang="zh-TW" altLang="en-US" sz="3200" dirty="0">
+                <a:solidFill>
+                  <a:schemeClr val="bg2">
+                    <a:lumMod val="50000"/>
+                  </a:schemeClr>
+                </a:solidFill>
                 <a:latin typeface="微軟正黑體" panose="020B0604030504040204" pitchFamily="34" charset="-120"/>
                 <a:ea typeface="微軟正黑體" panose="020B0604030504040204" pitchFamily="34" charset="-120"/>
               </a:rPr>
@@ -6290,12 +6433,22 @@
           <a:p>
             <a:r>
               <a:rPr lang="zh-TW" altLang="en-US" sz="3200" dirty="0" smtClean="0">
+                <a:solidFill>
+                  <a:schemeClr val="bg2">
+                    <a:lumMod val="50000"/>
+                  </a:schemeClr>
+                </a:solidFill>
                 <a:latin typeface="微軟正黑體" panose="020B0604030504040204" pitchFamily="34" charset="-120"/>
                 <a:ea typeface="微軟正黑體" panose="020B0604030504040204" pitchFamily="34" charset="-120"/>
               </a:rPr>
               <a:t>新增事件</a:t>
             </a:r>
             <a:endParaRPr lang="zh-TW" altLang="en-US" sz="3200" dirty="0">
+              <a:solidFill>
+                <a:schemeClr val="bg2">
+                  <a:lumMod val="50000"/>
+                </a:schemeClr>
+              </a:solidFill>
               <a:latin typeface="微軟正黑體" panose="020B0604030504040204" pitchFamily="34" charset="-120"/>
               <a:ea typeface="微軟正黑體" panose="020B0604030504040204" pitchFamily="34" charset="-120"/>
             </a:endParaRPr>
@@ -6326,12 +6479,22 @@
           <a:p>
             <a:r>
               <a:rPr lang="zh-TW" altLang="en-US" sz="3200" dirty="0" smtClean="0">
+                <a:solidFill>
+                  <a:schemeClr val="bg2">
+                    <a:lumMod val="50000"/>
+                  </a:schemeClr>
+                </a:solidFill>
                 <a:latin typeface="微軟正黑體" panose="020B0604030504040204" pitchFamily="34" charset="-120"/>
                 <a:ea typeface="微軟正黑體" panose="020B0604030504040204" pitchFamily="34" charset="-120"/>
               </a:rPr>
               <a:t>事件內容</a:t>
             </a:r>
             <a:endParaRPr lang="zh-TW" altLang="en-US" sz="3200" dirty="0">
+              <a:solidFill>
+                <a:schemeClr val="bg2">
+                  <a:lumMod val="50000"/>
+                </a:schemeClr>
+              </a:solidFill>
               <a:latin typeface="微軟正黑體" panose="020B0604030504040204" pitchFamily="34" charset="-120"/>
               <a:ea typeface="微軟正黑體" panose="020B0604030504040204" pitchFamily="34" charset="-120"/>
             </a:endParaRPr>
@@ -6455,7 +6618,7 @@
         </p:nvSpPr>
         <p:spPr>
           <a:xfrm>
-            <a:off x="2063552" y="5850721"/>
+            <a:off x="2258363" y="5700904"/>
             <a:ext cx="1826141" cy="584775"/>
           </a:xfrm>
           <a:prstGeom prst="rect">
@@ -6471,12 +6634,22 @@
           <a:p>
             <a:r>
               <a:rPr lang="zh-TW" altLang="en-US" sz="3200" dirty="0" smtClean="0">
+                <a:solidFill>
+                  <a:schemeClr val="bg2">
+                    <a:lumMod val="50000"/>
+                  </a:schemeClr>
+                </a:solidFill>
                 <a:latin typeface="微軟正黑體" panose="020B0604030504040204" pitchFamily="34" charset="-120"/>
                 <a:ea typeface="微軟正黑體" panose="020B0604030504040204" pitchFamily="34" charset="-120"/>
               </a:rPr>
               <a:t>尋找活動</a:t>
             </a:r>
             <a:endParaRPr lang="zh-TW" altLang="en-US" sz="3200" dirty="0">
+              <a:solidFill>
+                <a:schemeClr val="bg2">
+                  <a:lumMod val="50000"/>
+                </a:schemeClr>
+              </a:solidFill>
               <a:latin typeface="微軟正黑體" panose="020B0604030504040204" pitchFamily="34" charset="-120"/>
               <a:ea typeface="微軟正黑體" panose="020B0604030504040204" pitchFamily="34" charset="-120"/>
             </a:endParaRPr>
@@ -6491,7 +6664,7 @@
         </p:nvSpPr>
         <p:spPr>
           <a:xfrm>
-            <a:off x="8256240" y="5850720"/>
+            <a:off x="8602394" y="5700905"/>
             <a:ext cx="1005403" cy="584775"/>
           </a:xfrm>
           <a:prstGeom prst="rect">
@@ -6507,12 +6680,22 @@
           <a:p>
             <a:r>
               <a:rPr lang="zh-TW" altLang="en-US" sz="3200" dirty="0" smtClean="0">
+                <a:solidFill>
+                  <a:schemeClr val="bg2">
+                    <a:lumMod val="50000"/>
+                  </a:schemeClr>
+                </a:solidFill>
                 <a:latin typeface="微軟正黑體" panose="020B0604030504040204" pitchFamily="34" charset="-120"/>
                 <a:ea typeface="微軟正黑體" panose="020B0604030504040204" pitchFamily="34" charset="-120"/>
               </a:rPr>
               <a:t>設定</a:t>
             </a:r>
             <a:endParaRPr lang="zh-TW" altLang="en-US" sz="3200" dirty="0">
+              <a:solidFill>
+                <a:schemeClr val="bg2">
+                  <a:lumMod val="50000"/>
+                </a:schemeClr>
+              </a:solidFill>
               <a:latin typeface="微軟正黑體" panose="020B0604030504040204" pitchFamily="34" charset="-120"/>
               <a:ea typeface="微軟正黑體" panose="020B0604030504040204" pitchFamily="34" charset="-120"/>
             </a:endParaRPr>
@@ -6541,8 +6724,8 @@
         </p:blipFill>
         <p:spPr>
           <a:xfrm>
-            <a:off x="181782" y="1849825"/>
-            <a:ext cx="5910091" cy="3888431"/>
+            <a:off x="216389" y="1955336"/>
+            <a:ext cx="5910091" cy="3677408"/>
           </a:xfrm>
           <a:prstGeom prst="rect">
             <a:avLst/>
@@ -6571,8 +6754,8 @@
         </p:blipFill>
         <p:spPr>
           <a:xfrm>
-            <a:off x="6240016" y="1843309"/>
-            <a:ext cx="5730160" cy="3891463"/>
+            <a:off x="6240016" y="1958820"/>
+            <a:ext cx="5730160" cy="3673924"/>
           </a:xfrm>
           <a:prstGeom prst="rect">
             <a:avLst/>

--- a/iCalendar.pptx
+++ b/iCalendar.pptx
@@ -4850,13 +4850,7 @@
               <a:rPr lang="zh-TW" altLang="en-US" sz="2800" dirty="0" smtClean="0">
                 <a:ea typeface="微軟正黑體" panose="020B0604030504040204" pitchFamily="34" charset="-120"/>
               </a:rPr>
-              <a:t>頁</a:t>
-            </a:r>
-            <a:r>
-              <a:rPr lang="zh-TW" altLang="en-US" sz="2800" dirty="0" smtClean="0">
-                <a:ea typeface="微軟正黑體" panose="020B0604030504040204" pitchFamily="34" charset="-120"/>
-              </a:rPr>
-              <a:t>面、底</a:t>
+              <a:t>頁面、底</a:t>
             </a:r>
             <a:r>
               <a:rPr lang="zh-TW" altLang="en-US" sz="2800" dirty="0">
@@ -5826,7 +5820,7 @@
       </p:sp>
       <p:pic>
         <p:nvPicPr>
-          <p:cNvPr id="3" name="圖片 2"/>
+          <p:cNvPr id="5" name="圖片 4"/>
           <p:cNvPicPr>
             <a:picLocks noChangeAspect="1"/>
           </p:cNvPicPr>
@@ -5840,13 +5834,13 @@
               </a:ext>
             </a:extLst>
           </a:blip>
-          <a:srcRect l="-1206" t="399" r="1206" b="38051"/>
+          <a:srcRect b="47900"/>
           <a:stretch/>
         </p:blipFill>
         <p:spPr>
           <a:xfrm>
-            <a:off x="983432" y="1850358"/>
-            <a:ext cx="4996240" cy="3969608"/>
+            <a:off x="605838" y="1820016"/>
+            <a:ext cx="5315415" cy="3841232"/>
           </a:xfrm>
           <a:prstGeom prst="rect">
             <a:avLst/>
@@ -5855,7 +5849,7 @@
       </p:pic>
       <p:pic>
         <p:nvPicPr>
-          <p:cNvPr id="8" name="圖片 7"/>
+          <p:cNvPr id="9" name="圖片 8"/>
           <p:cNvPicPr>
             <a:picLocks noChangeAspect="1"/>
           </p:cNvPicPr>
@@ -5869,13 +5863,13 @@
               </a:ext>
             </a:extLst>
           </a:blip>
-          <a:srcRect b="38450"/>
+          <a:srcRect b="47900"/>
           <a:stretch/>
         </p:blipFill>
         <p:spPr>
           <a:xfrm>
-            <a:off x="6144232" y="1850358"/>
-            <a:ext cx="4824536" cy="3969608"/>
+            <a:off x="5950424" y="1820016"/>
+            <a:ext cx="5440311" cy="3841232"/>
           </a:xfrm>
           <a:prstGeom prst="rect">
             <a:avLst/>
@@ -5976,8 +5970,8 @@
         </p:blipFill>
         <p:spPr>
           <a:xfrm>
-            <a:off x="1199456" y="1916832"/>
-            <a:ext cx="4470761" cy="3888432"/>
+            <a:off x="1097280" y="1916832"/>
+            <a:ext cx="4572937" cy="3888432"/>
           </a:xfrm>
           <a:prstGeom prst="rect">
             <a:avLst/>
@@ -6052,7 +6046,7 @@
         <p:spPr>
           <a:xfrm>
             <a:off x="6571014" y="1916832"/>
-            <a:ext cx="4584666" cy="3917327"/>
+            <a:ext cx="4709562" cy="3917327"/>
           </a:xfrm>
           <a:prstGeom prst="rect">
             <a:avLst/>
@@ -6463,7 +6457,7 @@
         </p:nvSpPr>
         <p:spPr>
           <a:xfrm>
-            <a:off x="7320136" y="5819966"/>
+            <a:off x="7919233" y="5804740"/>
             <a:ext cx="1826141" cy="584775"/>
           </a:xfrm>
           <a:prstGeom prst="rect">
@@ -6503,7 +6497,7 @@
       </p:sp>
       <p:pic>
         <p:nvPicPr>
-          <p:cNvPr id="3" name="圖片 2"/>
+          <p:cNvPr id="5" name="圖片 4"/>
           <p:cNvPicPr>
             <a:picLocks noChangeAspect="1"/>
           </p:cNvPicPr>
@@ -6523,8 +6517,38 @@
         </p:blipFill>
         <p:spPr>
           <a:xfrm>
-            <a:off x="623392" y="1985112"/>
-            <a:ext cx="5127715" cy="3587101"/>
+            <a:off x="767408" y="1981821"/>
+            <a:ext cx="5112568" cy="3643534"/>
+          </a:xfrm>
+          <a:prstGeom prst="rect">
+            <a:avLst/>
+          </a:prstGeom>
+        </p:spPr>
+      </p:pic>
+      <p:pic>
+        <p:nvPicPr>
+          <p:cNvPr id="8" name="圖片 7"/>
+          <p:cNvPicPr>
+            <a:picLocks noChangeAspect="1"/>
+          </p:cNvPicPr>
+          <p:nvPr/>
+        </p:nvPicPr>
+        <p:blipFill>
+          <a:blip r:embed="rId3">
+            <a:extLst>
+              <a:ext uri="{28A0092B-C50C-407E-A947-70E740481C1C}">
+                <a14:useLocalDpi xmlns:a14="http://schemas.microsoft.com/office/drawing/2010/main" val="0"/>
+              </a:ext>
+            </a:extLst>
+          </a:blip>
+          <a:stretch>
+            <a:fillRect/>
+          </a:stretch>
+        </p:blipFill>
+        <p:spPr>
+          <a:xfrm>
+            <a:off x="6312024" y="1958965"/>
+            <a:ext cx="5040560" cy="3666390"/>
           </a:xfrm>
           <a:prstGeom prst="rect">
             <a:avLst/>

--- a/iCalendar.pptx
+++ b/iCalendar.pptx
@@ -6527,7 +6527,7 @@
       </p:pic>
       <p:pic>
         <p:nvPicPr>
-          <p:cNvPr id="8" name="圖片 7"/>
+          <p:cNvPr id="3" name="圖片 2"/>
           <p:cNvPicPr>
             <a:picLocks noChangeAspect="1"/>
           </p:cNvPicPr>
@@ -6547,8 +6547,8 @@
         </p:blipFill>
         <p:spPr>
           <a:xfrm>
-            <a:off x="6312024" y="1958965"/>
-            <a:ext cx="5040560" cy="3666390"/>
+            <a:off x="6456040" y="1806706"/>
+            <a:ext cx="4465072" cy="3956489"/>
           </a:xfrm>
           <a:prstGeom prst="rect">
             <a:avLst/>

--- a/iCalendar.pptx
+++ b/iCalendar.pptx
@@ -4945,6 +4945,66 @@
           </a:p>
         </p:txBody>
       </p:sp>
+      <p:pic>
+        <p:nvPicPr>
+          <p:cNvPr id="4" name="圖片 3"/>
+          <p:cNvPicPr>
+            <a:picLocks noChangeAspect="1"/>
+          </p:cNvPicPr>
+          <p:nvPr/>
+        </p:nvPicPr>
+        <p:blipFill>
+          <a:blip r:embed="rId2">
+            <a:extLst>
+              <a:ext uri="{28A0092B-C50C-407E-A947-70E740481C1C}">
+                <a14:useLocalDpi xmlns:a14="http://schemas.microsoft.com/office/drawing/2010/main" val="0"/>
+              </a:ext>
+            </a:extLst>
+          </a:blip>
+          <a:stretch>
+            <a:fillRect/>
+          </a:stretch>
+        </p:blipFill>
+        <p:spPr>
+          <a:xfrm>
+            <a:off x="119336" y="4005064"/>
+            <a:ext cx="5760640" cy="2118152"/>
+          </a:xfrm>
+          <a:prstGeom prst="rect">
+            <a:avLst/>
+          </a:prstGeom>
+        </p:spPr>
+      </p:pic>
+      <p:pic>
+        <p:nvPicPr>
+          <p:cNvPr id="5" name="圖片 4"/>
+          <p:cNvPicPr>
+            <a:picLocks noChangeAspect="1"/>
+          </p:cNvPicPr>
+          <p:nvPr/>
+        </p:nvPicPr>
+        <p:blipFill>
+          <a:blip r:embed="rId3">
+            <a:extLst>
+              <a:ext uri="{28A0092B-C50C-407E-A947-70E740481C1C}">
+                <a14:useLocalDpi xmlns:a14="http://schemas.microsoft.com/office/drawing/2010/main" val="0"/>
+              </a:ext>
+            </a:extLst>
+          </a:blip>
+          <a:stretch>
+            <a:fillRect/>
+          </a:stretch>
+        </p:blipFill>
+        <p:spPr>
+          <a:xfrm>
+            <a:off x="5980897" y="4016522"/>
+            <a:ext cx="6185523" cy="2118152"/>
+          </a:xfrm>
+          <a:prstGeom prst="rect">
+            <a:avLst/>
+          </a:prstGeom>
+        </p:spPr>
+      </p:pic>
     </p:spTree>
     <p:extLst>
       <p:ext uri="{BB962C8B-B14F-4D97-AF65-F5344CB8AC3E}">
